--- a/slides/presentazione 14-05-19.pptx
+++ b/slides/presentazione 14-05-19.pptx
@@ -596,6 +596,90 @@
 </file>
 
 <file path=ppt/notesSlides/notesSlide2.xml><?xml version="1.0" encoding="utf-8"?>
+<p:notes xmlns:a="http://schemas.openxmlformats.org/drawingml/2006/main" xmlns:r="http://schemas.openxmlformats.org/officeDocument/2006/relationships" xmlns:p="http://schemas.openxmlformats.org/presentationml/2006/main">
+  <p:cSld>
+    <p:spTree>
+      <p:nvGrpSpPr>
+        <p:cNvPr id="1" name=""/>
+        <p:cNvGrpSpPr/>
+        <p:nvPr/>
+      </p:nvGrpSpPr>
+      <p:grpSpPr>
+        <a:xfrm>
+          <a:off x="0" y="0"/>
+          <a:ext cx="0" cy="0"/>
+          <a:chOff x="0" y="0"/>
+          <a:chExt cx="0" cy="0"/>
+        </a:xfrm>
+      </p:grpSpPr>
+      <p:sp>
+        <p:nvSpPr>
+          <p:cNvPr id="2" name="Segnaposto immagine diapositiva 1"/>
+          <p:cNvSpPr>
+            <a:spLocks noGrp="1" noRot="1" noChangeAspect="1"/>
+          </p:cNvSpPr>
+          <p:nvPr>
+            <p:ph type="sldImg"/>
+          </p:nvPr>
+        </p:nvSpPr>
+        <p:spPr/>
+      </p:sp>
+      <p:sp>
+        <p:nvSpPr>
+          <p:cNvPr id="3" name="Segnaposto note 2"/>
+          <p:cNvSpPr>
+            <a:spLocks noGrp="1"/>
+          </p:cNvSpPr>
+          <p:nvPr>
+            <p:ph type="body" idx="1"/>
+          </p:nvPr>
+        </p:nvSpPr>
+        <p:spPr/>
+        <p:txBody>
+          <a:bodyPr/>
+          <a:lstStyle/>
+          <a:p>
+            <a:endParaRPr lang="en-US" dirty="0"/>
+          </a:p>
+        </p:txBody>
+      </p:sp>
+      <p:sp>
+        <p:nvSpPr>
+          <p:cNvPr id="4" name="Segnaposto numero diapositiva 3"/>
+          <p:cNvSpPr>
+            <a:spLocks noGrp="1"/>
+          </p:cNvSpPr>
+          <p:nvPr>
+            <p:ph type="sldNum" sz="quarter" idx="5"/>
+          </p:nvPr>
+        </p:nvSpPr>
+        <p:spPr/>
+        <p:txBody>
+          <a:bodyPr/>
+          <a:lstStyle/>
+          <a:p>
+            <a:fld id="{C40395BB-575F-4B8D-BDB5-1D314BA51C2E}" type="slidenum">
+              <a:rPr lang="en-US" smtClean="0"/>
+              <a:t>21</a:t>
+            </a:fld>
+            <a:endParaRPr lang="en-US" dirty="0"/>
+          </a:p>
+        </p:txBody>
+      </p:sp>
+    </p:spTree>
+    <p:extLst>
+      <p:ext uri="{BB962C8B-B14F-4D97-AF65-F5344CB8AC3E}">
+        <p14:creationId xmlns:p14="http://schemas.microsoft.com/office/powerpoint/2010/main" val="498838882"/>
+      </p:ext>
+    </p:extLst>
+  </p:cSld>
+  <p:clrMapOvr>
+    <a:masterClrMapping/>
+  </p:clrMapOvr>
+</p:notes>
+</file>
+
+<file path=ppt/notesSlides/notesSlide3.xml><?xml version="1.0" encoding="utf-8"?>
 <p:notes xmlns:a="http://schemas.openxmlformats.org/drawingml/2006/main" xmlns:r="http://schemas.openxmlformats.org/officeDocument/2006/relationships" xmlns:p="http://schemas.openxmlformats.org/presentationml/2006/main">
   <p:cSld>
     <p:spTree>
@@ -15158,7 +15242,7 @@
           <p:nvPr/>
         </p:nvPicPr>
         <p:blipFill>
-          <a:blip r:embed="rId2">
+          <a:blip r:embed="rId3">
             <a:extLst>
               <a:ext uri="{28A0092B-C50C-407E-A947-70E740481C1C}">
                 <a14:useLocalDpi xmlns:a14="http://schemas.microsoft.com/office/drawing/2010/main" val="0"/>
@@ -15188,7 +15272,7 @@
           <p:nvPr/>
         </p:nvPicPr>
         <p:blipFill>
-          <a:blip r:embed="rId3">
+          <a:blip r:embed="rId4">
             <a:extLst>
               <a:ext uri="{28A0092B-C50C-407E-A947-70E740481C1C}">
                 <a14:useLocalDpi xmlns:a14="http://schemas.microsoft.com/office/drawing/2010/main" val="0"/>
@@ -15390,13 +15474,13 @@
             </a:r>
             <a:r>
               <a:rPr lang="en-US" dirty="0"/>
-              <a:t>variance</a:t>
+              <a:t>standard deviation</a:t>
             </a:r>
           </a:p>
         </p:txBody>
       </p:sp>
-      <mc:AlternateContent xmlns:mc="http://schemas.openxmlformats.org/markup-compatibility/2006" xmlns:a14="http://schemas.microsoft.com/office/drawing/2010/main">
-        <mc:Choice Requires="a14">
+      <mc:AlternateContent xmlns:mc="http://schemas.openxmlformats.org/markup-compatibility/2006">
+        <mc:Choice xmlns:a14="http://schemas.microsoft.com/office/drawing/2010/main" Requires="a14">
           <p:sp>
             <p:nvSpPr>
               <p:cNvPr id="11" name="CasellaDiTesto 10"/>
@@ -15449,7 +15533,7 @@
                     <a:latin typeface="Gill Sans Light"/>
                     <a:cs typeface="Gill Sans Light"/>
                   </a:rPr>
-                  <a:t>variance</a:t>
+                  <a:t>standard deviation</a:t>
                 </a:r>
                 <a:r>
                   <a:rPr lang="it-IT" dirty="0">
@@ -16291,7 +16375,7 @@
             </p:txBody>
           </p:sp>
         </mc:Choice>
-        <mc:Fallback xmlns="">
+        <mc:Fallback>
           <p:sp>
             <p:nvSpPr>
               <p:cNvPr id="11" name="CasellaDiTesto 10"/>
@@ -16309,7 +16393,7 @@
                 <a:avLst/>
               </a:prstGeom>
               <a:blipFill>
-                <a:blip r:embed="rId4"/>
+                <a:blip r:embed="rId5"/>
                 <a:stretch>
                   <a:fillRect l="-690" t="-673"/>
                 </a:stretch>
@@ -16345,7 +16429,7 @@
           <p:nvPr/>
         </p:nvPicPr>
         <p:blipFill>
-          <a:blip r:embed="rId5"/>
+          <a:blip r:embed="rId6"/>
           <a:stretch>
             <a:fillRect/>
           </a:stretch>
@@ -28150,8 +28234,8 @@
           </a:p>
         </p:txBody>
       </p:sp>
-      <mc:AlternateContent xmlns:mc="http://schemas.openxmlformats.org/markup-compatibility/2006">
-        <mc:Choice xmlns:a14="http://schemas.microsoft.com/office/drawing/2010/main" Requires="a14">
+      <mc:AlternateContent xmlns:mc="http://schemas.openxmlformats.org/markup-compatibility/2006" xmlns:a14="http://schemas.microsoft.com/office/drawing/2010/main">
+        <mc:Choice Requires="a14">
           <p:graphicFrame>
             <p:nvGraphicFramePr>
               <p:cNvPr id="11" name="Tabella 10">
@@ -28876,7 +28960,7 @@
             </a:graphic>
           </p:graphicFrame>
         </mc:Choice>
-        <mc:Fallback>
+        <mc:Fallback xmlns="">
           <p:graphicFrame>
             <p:nvGraphicFramePr>
               <p:cNvPr id="11" name="Tabella 10">
@@ -31298,8 +31382,8 @@
           </a:p>
         </p:txBody>
       </p:sp>
-      <mc:AlternateContent xmlns:mc="http://schemas.openxmlformats.org/markup-compatibility/2006">
-        <mc:Choice xmlns:a14="http://schemas.microsoft.com/office/drawing/2010/main" Requires="a14">
+      <mc:AlternateContent xmlns:mc="http://schemas.openxmlformats.org/markup-compatibility/2006" xmlns:a14="http://schemas.microsoft.com/office/drawing/2010/main">
+        <mc:Choice Requires="a14">
           <p:sp>
             <p:nvSpPr>
               <p:cNvPr id="11" name="CasellaDiTesto 10"/>
@@ -31755,7 +31839,7 @@
             </p:txBody>
           </p:sp>
         </mc:Choice>
-        <mc:Fallback>
+        <mc:Fallback xmlns="">
           <p:sp>
             <p:nvSpPr>
               <p:cNvPr id="11" name="CasellaDiTesto 10"/>

--- a/slides/presentazione 14-05-19.pptx
+++ b/slides/presentazione 14-05-19.pptx
@@ -243,7 +243,7 @@
           <a:p>
             <a:fld id="{C2DA5780-C903-4978-8C5C-CC56200581D3}" type="datetimeFigureOut">
               <a:rPr lang="en-US" smtClean="0"/>
-              <a:t>5/14/2019</a:t>
+              <a:t>5/19/2019</a:t>
             </a:fld>
             <a:endParaRPr lang="en-US" dirty="0"/>
           </a:p>
@@ -942,7 +942,7 @@
           <a:p>
             <a:fld id="{8DF5B5D2-CA2A-6548-955E-9897154AE4E2}" type="datetimeFigureOut">
               <a:rPr lang="it-IT" smtClean="0"/>
-              <a:t>14/05/2019</a:t>
+              <a:t>19/05/2019</a:t>
             </a:fld>
             <a:endParaRPr lang="it-IT" dirty="0"/>
           </a:p>
@@ -1110,7 +1110,7 @@
           <a:p>
             <a:fld id="{8DF5B5D2-CA2A-6548-955E-9897154AE4E2}" type="datetimeFigureOut">
               <a:rPr lang="it-IT" smtClean="0"/>
-              <a:t>14/05/2019</a:t>
+              <a:t>19/05/2019</a:t>
             </a:fld>
             <a:endParaRPr lang="it-IT" dirty="0"/>
           </a:p>
@@ -1288,7 +1288,7 @@
           <a:p>
             <a:fld id="{8DF5B5D2-CA2A-6548-955E-9897154AE4E2}" type="datetimeFigureOut">
               <a:rPr lang="it-IT" smtClean="0"/>
-              <a:t>14/05/2019</a:t>
+              <a:t>19/05/2019</a:t>
             </a:fld>
             <a:endParaRPr lang="it-IT" dirty="0"/>
           </a:p>
@@ -1456,7 +1456,7 @@
           <a:p>
             <a:fld id="{8DF5B5D2-CA2A-6548-955E-9897154AE4E2}" type="datetimeFigureOut">
               <a:rPr lang="it-IT" smtClean="0"/>
-              <a:t>14/05/2019</a:t>
+              <a:t>19/05/2019</a:t>
             </a:fld>
             <a:endParaRPr lang="it-IT" dirty="0"/>
           </a:p>
@@ -1701,7 +1701,7 @@
           <a:p>
             <a:fld id="{8DF5B5D2-CA2A-6548-955E-9897154AE4E2}" type="datetimeFigureOut">
               <a:rPr lang="it-IT" smtClean="0"/>
-              <a:t>14/05/2019</a:t>
+              <a:t>19/05/2019</a:t>
             </a:fld>
             <a:endParaRPr lang="it-IT" dirty="0"/>
           </a:p>
@@ -1986,7 +1986,7 @@
           <a:p>
             <a:fld id="{8DF5B5D2-CA2A-6548-955E-9897154AE4E2}" type="datetimeFigureOut">
               <a:rPr lang="it-IT" smtClean="0"/>
-              <a:t>14/05/2019</a:t>
+              <a:t>19/05/2019</a:t>
             </a:fld>
             <a:endParaRPr lang="it-IT" dirty="0"/>
           </a:p>
@@ -2405,7 +2405,7 @@
           <a:p>
             <a:fld id="{8DF5B5D2-CA2A-6548-955E-9897154AE4E2}" type="datetimeFigureOut">
               <a:rPr lang="it-IT" smtClean="0"/>
-              <a:t>14/05/2019</a:t>
+              <a:t>19/05/2019</a:t>
             </a:fld>
             <a:endParaRPr lang="it-IT" dirty="0"/>
           </a:p>
@@ -2522,7 +2522,7 @@
           <a:p>
             <a:fld id="{8DF5B5D2-CA2A-6548-955E-9897154AE4E2}" type="datetimeFigureOut">
               <a:rPr lang="it-IT" smtClean="0"/>
-              <a:t>14/05/2019</a:t>
+              <a:t>19/05/2019</a:t>
             </a:fld>
             <a:endParaRPr lang="it-IT" dirty="0"/>
           </a:p>
@@ -2617,7 +2617,7 @@
           <a:p>
             <a:fld id="{8DF5B5D2-CA2A-6548-955E-9897154AE4E2}" type="datetimeFigureOut">
               <a:rPr lang="it-IT" smtClean="0"/>
-              <a:t>14/05/2019</a:t>
+              <a:t>19/05/2019</a:t>
             </a:fld>
             <a:endParaRPr lang="it-IT" dirty="0"/>
           </a:p>
@@ -2892,7 +2892,7 @@
           <a:p>
             <a:fld id="{8DF5B5D2-CA2A-6548-955E-9897154AE4E2}" type="datetimeFigureOut">
               <a:rPr lang="it-IT" smtClean="0"/>
-              <a:t>14/05/2019</a:t>
+              <a:t>19/05/2019</a:t>
             </a:fld>
             <a:endParaRPr lang="it-IT" dirty="0"/>
           </a:p>
@@ -3144,7 +3144,7 @@
           <a:p>
             <a:fld id="{8DF5B5D2-CA2A-6548-955E-9897154AE4E2}" type="datetimeFigureOut">
               <a:rPr lang="it-IT" smtClean="0"/>
-              <a:t>14/05/2019</a:t>
+              <a:t>19/05/2019</a:t>
             </a:fld>
             <a:endParaRPr lang="it-IT" dirty="0"/>
           </a:p>
@@ -3355,7 +3355,7 @@
           <a:p>
             <a:fld id="{8DF5B5D2-CA2A-6548-955E-9897154AE4E2}" type="datetimeFigureOut">
               <a:rPr lang="it-IT" smtClean="0"/>
-              <a:t>14/05/2019</a:t>
+              <a:t>19/05/2019</a:t>
             </a:fld>
             <a:endParaRPr lang="it-IT" dirty="0"/>
           </a:p>
@@ -15479,8 +15479,8 @@
           </a:p>
         </p:txBody>
       </p:sp>
-      <mc:AlternateContent xmlns:mc="http://schemas.openxmlformats.org/markup-compatibility/2006">
-        <mc:Choice xmlns:a14="http://schemas.microsoft.com/office/drawing/2010/main" Requires="a14">
+      <mc:AlternateContent xmlns:mc="http://schemas.openxmlformats.org/markup-compatibility/2006" xmlns:a14="http://schemas.microsoft.com/office/drawing/2010/main">
+        <mc:Choice Requires="a14">
           <p:sp>
             <p:nvSpPr>
               <p:cNvPr id="11" name="CasellaDiTesto 10"/>
@@ -16375,7 +16375,7 @@
             </p:txBody>
           </p:sp>
         </mc:Choice>
-        <mc:Fallback>
+        <mc:Fallback xmlns="">
           <p:sp>
             <p:nvSpPr>
               <p:cNvPr id="11" name="CasellaDiTesto 10"/>
